--- a/PPTs/LXX Template.pptx
+++ b/PPTs/LXX Template.pptx
@@ -208,14 +208,14 @@
           <a:effectLst/>
           <a:extLst>
             <a:ext uri="{909E8E84-426E-40dd-AFC4-6F175D3DCCD1}">
-              <a14:hiddenFill xmlns:a14="http://schemas.microsoft.com/office/drawing/2010/main" xmlns="">
+              <a14:hiddenFill xmlns="" xmlns:a14="http://schemas.microsoft.com/office/drawing/2010/main">
                 <a:solidFill>
                   <a:schemeClr val="bg1"/>
                 </a:solidFill>
               </a14:hiddenFill>
             </a:ext>
             <a:ext uri="{91240B29-F687-4f45-9708-019B960494DF}">
-              <a14:hiddenLine xmlns:a14="http://schemas.microsoft.com/office/drawing/2010/main" xmlns="" w="12700">
+              <a14:hiddenLine xmlns="" xmlns:a14="http://schemas.microsoft.com/office/drawing/2010/main" w="12700">
                 <a:pattFill prst="narHorz">
                   <a:fgClr>
                     <a:schemeClr val="tx1"/>
@@ -230,7 +230,7 @@
               </a14:hiddenLine>
             </a:ext>
             <a:ext uri="{AF507438-7753-43e0-B8FC-AC1667EBCBE1}">
-              <a14:hiddenEffects xmlns:a14="http://schemas.microsoft.com/office/drawing/2010/main" xmlns="">
+              <a14:hiddenEffects xmlns="" xmlns:a14="http://schemas.microsoft.com/office/drawing/2010/main">
                 <a:effectLst>
                   <a:outerShdw dist="35921" dir="2700000" algn="ctr" rotWithShape="0">
                     <a:schemeClr val="bg2"/>
@@ -336,14 +336,14 @@
           <a:effectLst/>
           <a:extLst>
             <a:ext uri="{909E8E84-426E-40dd-AFC4-6F175D3DCCD1}">
-              <a14:hiddenFill xmlns:a14="http://schemas.microsoft.com/office/drawing/2010/main" xmlns="">
+              <a14:hiddenFill xmlns="" xmlns:a14="http://schemas.microsoft.com/office/drawing/2010/main">
                 <a:solidFill>
                   <a:schemeClr val="bg1"/>
                 </a:solidFill>
               </a14:hiddenFill>
             </a:ext>
             <a:ext uri="{91240B29-F687-4f45-9708-019B960494DF}">
-              <a14:hiddenLine xmlns:a14="http://schemas.microsoft.com/office/drawing/2010/main" xmlns="" w="12700">
+              <a14:hiddenLine xmlns="" xmlns:a14="http://schemas.microsoft.com/office/drawing/2010/main" w="12700">
                 <a:pattFill prst="narHorz">
                   <a:fgClr>
                     <a:schemeClr val="tx1"/>
@@ -358,7 +358,7 @@
               </a14:hiddenLine>
             </a:ext>
             <a:ext uri="{AF507438-7753-43e0-B8FC-AC1667EBCBE1}">
-              <a14:hiddenEffects xmlns:a14="http://schemas.microsoft.com/office/drawing/2010/main" xmlns="">
+              <a14:hiddenEffects xmlns="" xmlns:a14="http://schemas.microsoft.com/office/drawing/2010/main">
                 <a:effectLst>
                   <a:outerShdw dist="35921" dir="2700000" algn="ctr" rotWithShape="0">
                     <a:schemeClr val="bg2"/>
@@ -426,17 +426,17 @@
           <a:effectLst/>
           <a:extLst>
             <a:ext uri="{FAA26D3D-D897-4be2-8F04-BA451C77F1D7}">
-              <ma14:placeholderFlag xmlns:ma14="http://schemas.microsoft.com/office/mac/drawingml/2011/main" xmlns="" val="1"/>
+              <ma14:placeholderFlag xmlns="" xmlns:ma14="http://schemas.microsoft.com/office/mac/drawingml/2011/main" val="1"/>
             </a:ext>
             <a:ext uri="{909E8E84-426E-40dd-AFC4-6F175D3DCCD1}">
-              <a14:hiddenFill xmlns:a14="http://schemas.microsoft.com/office/drawing/2010/main" xmlns="">
+              <a14:hiddenFill xmlns="" xmlns:a14="http://schemas.microsoft.com/office/drawing/2010/main">
                 <a:solidFill>
                   <a:srgbClr val="FFFFFF"/>
                 </a:solidFill>
               </a14:hiddenFill>
             </a:ext>
             <a:ext uri="{AF507438-7753-43e0-B8FC-AC1667EBCBE1}">
-              <a14:hiddenEffects xmlns:a14="http://schemas.microsoft.com/office/drawing/2010/main" xmlns="">
+              <a14:hiddenEffects xmlns="" xmlns:a14="http://schemas.microsoft.com/office/drawing/2010/main">
                 <a:effectLst>
                   <a:outerShdw blurRad="63500" dist="38099" dir="2700000" algn="ctr" rotWithShape="0">
                     <a:srgbClr val="000000">
@@ -447,7 +447,7 @@
               </a14:hiddenEffects>
             </a:ext>
             <a:ext uri="{53640926-AAD7-44d8-BBD7-CCE9431645EC}">
-              <a14:shadowObscured xmlns:a14="http://schemas.microsoft.com/office/drawing/2010/main" xmlns="" val="1"/>
+              <a14:shadowObscured xmlns="" xmlns:a14="http://schemas.microsoft.com/office/drawing/2010/main" val="1"/>
             </a:ext>
           </a:extLst>
         </p:spPr>
@@ -477,14 +477,14 @@
           <a:effectLst/>
           <a:extLst>
             <a:ext uri="{909E8E84-426E-40dd-AFC4-6F175D3DCCD1}">
-              <a14:hiddenFill xmlns:a14="http://schemas.microsoft.com/office/drawing/2010/main" xmlns="">
+              <a14:hiddenFill xmlns="" xmlns:a14="http://schemas.microsoft.com/office/drawing/2010/main">
                 <a:solidFill>
                   <a:schemeClr val="bg1"/>
                 </a:solidFill>
               </a14:hiddenFill>
             </a:ext>
             <a:ext uri="{91240B29-F687-4f45-9708-019B960494DF}">
-              <a14:hiddenLine xmlns:a14="http://schemas.microsoft.com/office/drawing/2010/main" xmlns="" w="12700">
+              <a14:hiddenLine xmlns="" xmlns:a14="http://schemas.microsoft.com/office/drawing/2010/main" w="12700">
                 <a:pattFill prst="narHorz">
                   <a:fgClr>
                     <a:schemeClr val="tx1"/>
@@ -499,7 +499,7 @@
               </a14:hiddenLine>
             </a:ext>
             <a:ext uri="{AF507438-7753-43e0-B8FC-AC1667EBCBE1}">
-              <a14:hiddenEffects xmlns:a14="http://schemas.microsoft.com/office/drawing/2010/main" xmlns="">
+              <a14:hiddenEffects xmlns="" xmlns:a14="http://schemas.microsoft.com/office/drawing/2010/main">
                 <a:effectLst>
                   <a:outerShdw dist="35921" dir="2700000" algn="ctr" rotWithShape="0">
                     <a:schemeClr val="bg2"/>
@@ -749,10 +749,10 @@
         <p:spPr>
           <a:extLst>
             <a:ext uri="{FAA26D3D-D897-4be2-8F04-BA451C77F1D7}">
-              <ma14:placeholderFlag xmlns:ma14="http://schemas.microsoft.com/office/mac/drawingml/2011/main" xmlns="" val="1"/>
+              <ma14:placeholderFlag xmlns="" xmlns:ma14="http://schemas.microsoft.com/office/mac/drawingml/2011/main" val="1"/>
             </a:ext>
             <a:ext uri="{AF507438-7753-43e0-B8FC-AC1667EBCBE1}">
-              <a14:hiddenEffects xmlns:a14="http://schemas.microsoft.com/office/drawing/2010/main" xmlns="">
+              <a14:hiddenEffects xmlns="" xmlns:a14="http://schemas.microsoft.com/office/drawing/2010/main">
                 <a:effectLst>
                   <a:outerShdw blurRad="63500" dist="38099" dir="2700000" algn="ctr" rotWithShape="0">
                     <a:schemeClr val="bg2">
@@ -1343,38 +1343,38 @@
           </a:bodyPr>
           <a:lstStyle>
             <a:lvl1pPr>
-              <a:defRPr b="0" i="0">
-                <a:latin typeface="Gill Sans Light" charset="0"/>
-                <a:ea typeface="Gill Sans Light" charset="0"/>
-                <a:cs typeface="Gill Sans Light" charset="0"/>
+              <a:defRPr sz="2800" b="0" i="0">
+                <a:latin typeface="Gill Sans" panose="020B0502020104020203"/>
+                <a:ea typeface="Gill Sans" panose="020B0502020104020203"/>
+                <a:cs typeface="Gill Sans" panose="020B0502020104020203"/>
               </a:defRPr>
             </a:lvl1pPr>
             <a:lvl2pPr>
-              <a:defRPr b="0" i="0">
-                <a:latin typeface="Gill Sans Light" charset="0"/>
-                <a:ea typeface="Gill Sans Light" charset="0"/>
-                <a:cs typeface="Gill Sans Light" charset="0"/>
+              <a:defRPr sz="2400" b="0" i="0">
+                <a:latin typeface="Gill Sans" panose="020B0502020104020203"/>
+                <a:ea typeface="Gill Sans" panose="020B0502020104020203"/>
+                <a:cs typeface="Gill Sans" panose="020B0502020104020203"/>
               </a:defRPr>
             </a:lvl2pPr>
             <a:lvl3pPr>
-              <a:defRPr b="0" i="0">
-                <a:latin typeface="Gill Sans Light" charset="0"/>
-                <a:ea typeface="Gill Sans Light" charset="0"/>
-                <a:cs typeface="Gill Sans Light" charset="0"/>
+              <a:defRPr sz="2400" b="0" i="0">
+                <a:latin typeface="Gill Sans" panose="020B0502020104020203"/>
+                <a:ea typeface="Gill Sans" panose="020B0502020104020203"/>
+                <a:cs typeface="Gill Sans" panose="020B0502020104020203"/>
               </a:defRPr>
             </a:lvl3pPr>
             <a:lvl4pPr>
-              <a:defRPr b="0" i="0">
-                <a:latin typeface="Gill Sans Light" charset="0"/>
-                <a:ea typeface="Gill Sans Light" charset="0"/>
-                <a:cs typeface="Gill Sans Light" charset="0"/>
+              <a:defRPr sz="2400" b="0" i="0">
+                <a:latin typeface="Gill Sans" panose="020B0502020104020203"/>
+                <a:ea typeface="Gill Sans" panose="020B0502020104020203"/>
+                <a:cs typeface="Gill Sans" panose="020B0502020104020203"/>
               </a:defRPr>
             </a:lvl4pPr>
             <a:lvl5pPr>
-              <a:defRPr b="0" i="0">
-                <a:latin typeface="Gill Sans Light" charset="0"/>
-                <a:ea typeface="Gill Sans Light" charset="0"/>
-                <a:cs typeface="Gill Sans Light" charset="0"/>
+              <a:defRPr sz="2400" b="0" i="0">
+                <a:latin typeface="Gill Sans" panose="020B0502020104020203"/>
+                <a:ea typeface="Gill Sans" panose="020B0502020104020203"/>
+                <a:cs typeface="Gill Sans" panose="020B0502020104020203"/>
               </a:defRPr>
             </a:lvl5pPr>
           </a:lstStyle>
@@ -2681,17 +2681,17 @@
           <a:effectLst/>
           <a:extLst>
             <a:ext uri="{FAA26D3D-D897-4be2-8F04-BA451C77F1D7}">
-              <ma14:placeholderFlag xmlns:ma14="http://schemas.microsoft.com/office/mac/drawingml/2011/main" xmlns="" val="1"/>
+              <ma14:placeholderFlag xmlns="" xmlns:ma14="http://schemas.microsoft.com/office/mac/drawingml/2011/main" val="1"/>
             </a:ext>
             <a:ext uri="{909E8E84-426E-40dd-AFC4-6F175D3DCCD1}">
-              <a14:hiddenFill xmlns:a14="http://schemas.microsoft.com/office/drawing/2010/main" xmlns="">
+              <a14:hiddenFill xmlns="" xmlns:a14="http://schemas.microsoft.com/office/drawing/2010/main">
                 <a:solidFill>
                   <a:schemeClr val="bg1"/>
                 </a:solidFill>
               </a14:hiddenFill>
             </a:ext>
             <a:ext uri="{91240B29-F687-4f45-9708-019B960494DF}">
-              <a14:hiddenLine xmlns:a14="http://schemas.microsoft.com/office/drawing/2010/main" xmlns="" w="12700">
+              <a14:hiddenLine xmlns="" xmlns:a14="http://schemas.microsoft.com/office/drawing/2010/main" w="12700">
                 <a:pattFill prst="narHorz">
                   <a:fgClr>
                     <a:schemeClr val="tx1"/>
@@ -2706,7 +2706,7 @@
               </a14:hiddenLine>
             </a:ext>
             <a:ext uri="{AF507438-7753-43e0-B8FC-AC1667EBCBE1}">
-              <a14:hiddenEffects xmlns:a14="http://schemas.microsoft.com/office/drawing/2010/main" xmlns="">
+              <a14:hiddenEffects xmlns="" xmlns:a14="http://schemas.microsoft.com/office/drawing/2010/main">
                 <a:effectLst>
                   <a:outerShdw blurRad="63500" dist="38099" dir="2700000" algn="ctr" rotWithShape="0">
                     <a:schemeClr val="bg2">
@@ -2759,17 +2759,17 @@
           <a:effectLst/>
           <a:extLst>
             <a:ext uri="{FAA26D3D-D897-4be2-8F04-BA451C77F1D7}">
-              <ma14:placeholderFlag xmlns:ma14="http://schemas.microsoft.com/office/mac/drawingml/2011/main" xmlns="" val="1"/>
+              <ma14:placeholderFlag xmlns="" xmlns:ma14="http://schemas.microsoft.com/office/mac/drawingml/2011/main" val="1"/>
             </a:ext>
             <a:ext uri="{909E8E84-426E-40dd-AFC4-6F175D3DCCD1}">
-              <a14:hiddenFill xmlns:a14="http://schemas.microsoft.com/office/drawing/2010/main" xmlns="">
+              <a14:hiddenFill xmlns="" xmlns:a14="http://schemas.microsoft.com/office/drawing/2010/main">
                 <a:solidFill>
                   <a:schemeClr val="bg1"/>
                 </a:solidFill>
               </a14:hiddenFill>
             </a:ext>
             <a:ext uri="{91240B29-F687-4f45-9708-019B960494DF}">
-              <a14:hiddenLine xmlns:a14="http://schemas.microsoft.com/office/drawing/2010/main" xmlns="" w="12700">
+              <a14:hiddenLine xmlns="" xmlns:a14="http://schemas.microsoft.com/office/drawing/2010/main" w="12700">
                 <a:pattFill prst="narHorz">
                   <a:fgClr>
                     <a:schemeClr val="tx1"/>
@@ -2784,7 +2784,7 @@
               </a14:hiddenLine>
             </a:ext>
             <a:ext uri="{AF507438-7753-43e0-B8FC-AC1667EBCBE1}">
-              <a14:hiddenEffects xmlns:a14="http://schemas.microsoft.com/office/drawing/2010/main" xmlns="">
+              <a14:hiddenEffects xmlns="" xmlns:a14="http://schemas.microsoft.com/office/drawing/2010/main">
                 <a:effectLst>
                   <a:outerShdw blurRad="63500" dist="38099" dir="2700000" algn="ctr" rotWithShape="0">
                     <a:schemeClr val="bg2">
@@ -2863,14 +2863,14 @@
           <a:effectLst/>
           <a:extLst>
             <a:ext uri="{909E8E84-426E-40dd-AFC4-6F175D3DCCD1}">
-              <a14:hiddenFill xmlns:a14="http://schemas.microsoft.com/office/drawing/2010/main" xmlns="">
+              <a14:hiddenFill xmlns="" xmlns:a14="http://schemas.microsoft.com/office/drawing/2010/main">
                 <a:solidFill>
                   <a:schemeClr val="bg1"/>
                 </a:solidFill>
               </a14:hiddenFill>
             </a:ext>
             <a:ext uri="{91240B29-F687-4f45-9708-019B960494DF}">
-              <a14:hiddenLine xmlns:a14="http://schemas.microsoft.com/office/drawing/2010/main" xmlns="" w="12700">
+              <a14:hiddenLine xmlns="" xmlns:a14="http://schemas.microsoft.com/office/drawing/2010/main" w="12700">
                 <a:pattFill prst="narHorz">
                   <a:fgClr>
                     <a:schemeClr val="tx1"/>
@@ -2885,7 +2885,7 @@
               </a14:hiddenLine>
             </a:ext>
             <a:ext uri="{AF507438-7753-43e0-B8FC-AC1667EBCBE1}">
-              <a14:hiddenEffects xmlns:a14="http://schemas.microsoft.com/office/drawing/2010/main" xmlns="">
+              <a14:hiddenEffects xmlns="" xmlns:a14="http://schemas.microsoft.com/office/drawing/2010/main">
                 <a:effectLst>
                   <a:outerShdw dist="35921" dir="2700000" algn="ctr" rotWithShape="0">
                     <a:schemeClr val="bg2"/>
@@ -2971,12 +2971,12 @@
           <a:effectLst/>
           <a:extLst>
             <a:ext uri="{909E8E84-426E-40dd-AFC4-6F175D3DCCD1}">
-              <a14:hiddenFill xmlns:a14="http://schemas.microsoft.com/office/drawing/2010/main" xmlns="">
+              <a14:hiddenFill xmlns="" xmlns:a14="http://schemas.microsoft.com/office/drawing/2010/main">
                 <a:noFill/>
               </a14:hiddenFill>
             </a:ext>
             <a:ext uri="{AF507438-7753-43e0-B8FC-AC1667EBCBE1}">
-              <a14:hiddenEffects xmlns:a14="http://schemas.microsoft.com/office/drawing/2010/main" xmlns="">
+              <a14:hiddenEffects xmlns="" xmlns:a14="http://schemas.microsoft.com/office/drawing/2010/main">
                 <a:effectLst>
                   <a:outerShdw blurRad="63500" dist="38099" dir="2700000" algn="ctr" rotWithShape="0">
                     <a:schemeClr val="bg2">
@@ -3898,7 +3898,7 @@
         <a:effectLst/>
         <a:extLst>
           <a:ext uri="{AF507438-7753-43e0-B8FC-AC1667EBCBE1}">
-            <a14:hiddenEffects xmlns:a14="http://schemas.microsoft.com/office/drawing/2010/main" xmlns="">
+            <a14:hiddenEffects xmlns="" xmlns:a14="http://schemas.microsoft.com/office/drawing/2010/main">
               <a:effectLst>
                 <a:outerShdw dist="35921" dir="2700000" algn="ctr" rotWithShape="0">
                   <a:schemeClr val="bg2"/>
@@ -3971,7 +3971,7 @@
         <a:effectLst/>
         <a:extLst>
           <a:ext uri="{AF507438-7753-43e0-B8FC-AC1667EBCBE1}">
-            <a14:hiddenEffects xmlns:a14="http://schemas.microsoft.com/office/drawing/2010/main" xmlns="">
+            <a14:hiddenEffects xmlns="" xmlns:a14="http://schemas.microsoft.com/office/drawing/2010/main">
               <a:effectLst>
                 <a:outerShdw dist="35921" dir="2700000" algn="ctr" rotWithShape="0">
                   <a:schemeClr val="bg2"/>

--- a/PPTs/LXX Template.pptx
+++ b/PPTs/LXX Template.pptx
@@ -208,14 +208,14 @@
           <a:effectLst/>
           <a:extLst>
             <a:ext uri="{909E8E84-426E-40dd-AFC4-6F175D3DCCD1}">
-              <a14:hiddenFill xmlns="" xmlns:a14="http://schemas.microsoft.com/office/drawing/2010/main">
+              <a14:hiddenFill xmlns:a14="http://schemas.microsoft.com/office/drawing/2010/main" xmlns="">
                 <a:solidFill>
                   <a:schemeClr val="bg1"/>
                 </a:solidFill>
               </a14:hiddenFill>
             </a:ext>
             <a:ext uri="{91240B29-F687-4f45-9708-019B960494DF}">
-              <a14:hiddenLine xmlns="" xmlns:a14="http://schemas.microsoft.com/office/drawing/2010/main" w="12700">
+              <a14:hiddenLine xmlns:a14="http://schemas.microsoft.com/office/drawing/2010/main" xmlns="" w="12700">
                 <a:pattFill prst="narHorz">
                   <a:fgClr>
                     <a:schemeClr val="tx1"/>
@@ -230,7 +230,7 @@
               </a14:hiddenLine>
             </a:ext>
             <a:ext uri="{AF507438-7753-43e0-B8FC-AC1667EBCBE1}">
-              <a14:hiddenEffects xmlns="" xmlns:a14="http://schemas.microsoft.com/office/drawing/2010/main">
+              <a14:hiddenEffects xmlns:a14="http://schemas.microsoft.com/office/drawing/2010/main" xmlns="">
                 <a:effectLst>
                   <a:outerShdw dist="35921" dir="2700000" algn="ctr" rotWithShape="0">
                     <a:schemeClr val="bg2"/>
@@ -336,14 +336,14 @@
           <a:effectLst/>
           <a:extLst>
             <a:ext uri="{909E8E84-426E-40dd-AFC4-6F175D3DCCD1}">
-              <a14:hiddenFill xmlns="" xmlns:a14="http://schemas.microsoft.com/office/drawing/2010/main">
+              <a14:hiddenFill xmlns:a14="http://schemas.microsoft.com/office/drawing/2010/main" xmlns="">
                 <a:solidFill>
                   <a:schemeClr val="bg1"/>
                 </a:solidFill>
               </a14:hiddenFill>
             </a:ext>
             <a:ext uri="{91240B29-F687-4f45-9708-019B960494DF}">
-              <a14:hiddenLine xmlns="" xmlns:a14="http://schemas.microsoft.com/office/drawing/2010/main" w="12700">
+              <a14:hiddenLine xmlns:a14="http://schemas.microsoft.com/office/drawing/2010/main" xmlns="" w="12700">
                 <a:pattFill prst="narHorz">
                   <a:fgClr>
                     <a:schemeClr val="tx1"/>
@@ -358,7 +358,7 @@
               </a14:hiddenLine>
             </a:ext>
             <a:ext uri="{AF507438-7753-43e0-B8FC-AC1667EBCBE1}">
-              <a14:hiddenEffects xmlns="" xmlns:a14="http://schemas.microsoft.com/office/drawing/2010/main">
+              <a14:hiddenEffects xmlns:a14="http://schemas.microsoft.com/office/drawing/2010/main" xmlns="">
                 <a:effectLst>
                   <a:outerShdw dist="35921" dir="2700000" algn="ctr" rotWithShape="0">
                     <a:schemeClr val="bg2"/>
@@ -426,17 +426,17 @@
           <a:effectLst/>
           <a:extLst>
             <a:ext uri="{FAA26D3D-D897-4be2-8F04-BA451C77F1D7}">
-              <ma14:placeholderFlag xmlns="" xmlns:ma14="http://schemas.microsoft.com/office/mac/drawingml/2011/main" val="1"/>
+              <ma14:placeholderFlag xmlns:ma14="http://schemas.microsoft.com/office/mac/drawingml/2011/main" xmlns="" val="1"/>
             </a:ext>
             <a:ext uri="{909E8E84-426E-40dd-AFC4-6F175D3DCCD1}">
-              <a14:hiddenFill xmlns="" xmlns:a14="http://schemas.microsoft.com/office/drawing/2010/main">
+              <a14:hiddenFill xmlns:a14="http://schemas.microsoft.com/office/drawing/2010/main" xmlns="">
                 <a:solidFill>
                   <a:srgbClr val="FFFFFF"/>
                 </a:solidFill>
               </a14:hiddenFill>
             </a:ext>
             <a:ext uri="{AF507438-7753-43e0-B8FC-AC1667EBCBE1}">
-              <a14:hiddenEffects xmlns="" xmlns:a14="http://schemas.microsoft.com/office/drawing/2010/main">
+              <a14:hiddenEffects xmlns:a14="http://schemas.microsoft.com/office/drawing/2010/main" xmlns="">
                 <a:effectLst>
                   <a:outerShdw blurRad="63500" dist="38099" dir="2700000" algn="ctr" rotWithShape="0">
                     <a:srgbClr val="000000">
@@ -447,7 +447,7 @@
               </a14:hiddenEffects>
             </a:ext>
             <a:ext uri="{53640926-AAD7-44d8-BBD7-CCE9431645EC}">
-              <a14:shadowObscured xmlns="" xmlns:a14="http://schemas.microsoft.com/office/drawing/2010/main" val="1"/>
+              <a14:shadowObscured xmlns:a14="http://schemas.microsoft.com/office/drawing/2010/main" xmlns="" val="1"/>
             </a:ext>
           </a:extLst>
         </p:spPr>
@@ -477,14 +477,14 @@
           <a:effectLst/>
           <a:extLst>
             <a:ext uri="{909E8E84-426E-40dd-AFC4-6F175D3DCCD1}">
-              <a14:hiddenFill xmlns="" xmlns:a14="http://schemas.microsoft.com/office/drawing/2010/main">
+              <a14:hiddenFill xmlns:a14="http://schemas.microsoft.com/office/drawing/2010/main" xmlns="">
                 <a:solidFill>
                   <a:schemeClr val="bg1"/>
                 </a:solidFill>
               </a14:hiddenFill>
             </a:ext>
             <a:ext uri="{91240B29-F687-4f45-9708-019B960494DF}">
-              <a14:hiddenLine xmlns="" xmlns:a14="http://schemas.microsoft.com/office/drawing/2010/main" w="12700">
+              <a14:hiddenLine xmlns:a14="http://schemas.microsoft.com/office/drawing/2010/main" xmlns="" w="12700">
                 <a:pattFill prst="narHorz">
                   <a:fgClr>
                     <a:schemeClr val="tx1"/>
@@ -499,7 +499,7 @@
               </a14:hiddenLine>
             </a:ext>
             <a:ext uri="{AF507438-7753-43e0-B8FC-AC1667EBCBE1}">
-              <a14:hiddenEffects xmlns="" xmlns:a14="http://schemas.microsoft.com/office/drawing/2010/main">
+              <a14:hiddenEffects xmlns:a14="http://schemas.microsoft.com/office/drawing/2010/main" xmlns="">
                 <a:effectLst>
                   <a:outerShdw dist="35921" dir="2700000" algn="ctr" rotWithShape="0">
                     <a:schemeClr val="bg2"/>
@@ -749,10 +749,10 @@
         <p:spPr>
           <a:extLst>
             <a:ext uri="{FAA26D3D-D897-4be2-8F04-BA451C77F1D7}">
-              <ma14:placeholderFlag xmlns="" xmlns:ma14="http://schemas.microsoft.com/office/mac/drawingml/2011/main" val="1"/>
+              <ma14:placeholderFlag xmlns:ma14="http://schemas.microsoft.com/office/mac/drawingml/2011/main" xmlns="" val="1"/>
             </a:ext>
             <a:ext uri="{AF507438-7753-43e0-B8FC-AC1667EBCBE1}">
-              <a14:hiddenEffects xmlns="" xmlns:a14="http://schemas.microsoft.com/office/drawing/2010/main">
+              <a14:hiddenEffects xmlns:a14="http://schemas.microsoft.com/office/drawing/2010/main" xmlns="">
                 <a:effectLst>
                   <a:outerShdw blurRad="63500" dist="38099" dir="2700000" algn="ctr" rotWithShape="0">
                     <a:schemeClr val="bg2">
@@ -2681,17 +2681,17 @@
           <a:effectLst/>
           <a:extLst>
             <a:ext uri="{FAA26D3D-D897-4be2-8F04-BA451C77F1D7}">
-              <ma14:placeholderFlag xmlns="" xmlns:ma14="http://schemas.microsoft.com/office/mac/drawingml/2011/main" val="1"/>
+              <ma14:placeholderFlag xmlns:ma14="http://schemas.microsoft.com/office/mac/drawingml/2011/main" xmlns="" val="1"/>
             </a:ext>
             <a:ext uri="{909E8E84-426E-40dd-AFC4-6F175D3DCCD1}">
-              <a14:hiddenFill xmlns="" xmlns:a14="http://schemas.microsoft.com/office/drawing/2010/main">
+              <a14:hiddenFill xmlns:a14="http://schemas.microsoft.com/office/drawing/2010/main" xmlns="">
                 <a:solidFill>
                   <a:schemeClr val="bg1"/>
                 </a:solidFill>
               </a14:hiddenFill>
             </a:ext>
             <a:ext uri="{91240B29-F687-4f45-9708-019B960494DF}">
-              <a14:hiddenLine xmlns="" xmlns:a14="http://schemas.microsoft.com/office/drawing/2010/main" w="12700">
+              <a14:hiddenLine xmlns:a14="http://schemas.microsoft.com/office/drawing/2010/main" xmlns="" w="12700">
                 <a:pattFill prst="narHorz">
                   <a:fgClr>
                     <a:schemeClr val="tx1"/>
@@ -2706,7 +2706,7 @@
               </a14:hiddenLine>
             </a:ext>
             <a:ext uri="{AF507438-7753-43e0-B8FC-AC1667EBCBE1}">
-              <a14:hiddenEffects xmlns="" xmlns:a14="http://schemas.microsoft.com/office/drawing/2010/main">
+              <a14:hiddenEffects xmlns:a14="http://schemas.microsoft.com/office/drawing/2010/main" xmlns="">
                 <a:effectLst>
                   <a:outerShdw blurRad="63500" dist="38099" dir="2700000" algn="ctr" rotWithShape="0">
                     <a:schemeClr val="bg2">
@@ -2759,17 +2759,17 @@
           <a:effectLst/>
           <a:extLst>
             <a:ext uri="{FAA26D3D-D897-4be2-8F04-BA451C77F1D7}">
-              <ma14:placeholderFlag xmlns="" xmlns:ma14="http://schemas.microsoft.com/office/mac/drawingml/2011/main" val="1"/>
+              <ma14:placeholderFlag xmlns:ma14="http://schemas.microsoft.com/office/mac/drawingml/2011/main" xmlns="" val="1"/>
             </a:ext>
             <a:ext uri="{909E8E84-426E-40dd-AFC4-6F175D3DCCD1}">
-              <a14:hiddenFill xmlns="" xmlns:a14="http://schemas.microsoft.com/office/drawing/2010/main">
+              <a14:hiddenFill xmlns:a14="http://schemas.microsoft.com/office/drawing/2010/main" xmlns="">
                 <a:solidFill>
                   <a:schemeClr val="bg1"/>
                 </a:solidFill>
               </a14:hiddenFill>
             </a:ext>
             <a:ext uri="{91240B29-F687-4f45-9708-019B960494DF}">
-              <a14:hiddenLine xmlns="" xmlns:a14="http://schemas.microsoft.com/office/drawing/2010/main" w="12700">
+              <a14:hiddenLine xmlns:a14="http://schemas.microsoft.com/office/drawing/2010/main" xmlns="" w="12700">
                 <a:pattFill prst="narHorz">
                   <a:fgClr>
                     <a:schemeClr val="tx1"/>
@@ -2784,7 +2784,7 @@
               </a14:hiddenLine>
             </a:ext>
             <a:ext uri="{AF507438-7753-43e0-B8FC-AC1667EBCBE1}">
-              <a14:hiddenEffects xmlns="" xmlns:a14="http://schemas.microsoft.com/office/drawing/2010/main">
+              <a14:hiddenEffects xmlns:a14="http://schemas.microsoft.com/office/drawing/2010/main" xmlns="">
                 <a:effectLst>
                   <a:outerShdw blurRad="63500" dist="38099" dir="2700000" algn="ctr" rotWithShape="0">
                     <a:schemeClr val="bg2">
@@ -2850,8 +2850,8 @@
         </p:nvSpPr>
         <p:spPr bwMode="auto">
           <a:xfrm>
-            <a:off x="10761661" y="6551613"/>
-            <a:ext cx="987431" cy="305202"/>
+            <a:off x="11797680" y="6552798"/>
+            <a:ext cx="394320" cy="305202"/>
           </a:xfrm>
           <a:prstGeom prst="rect">
             <a:avLst/>
@@ -2863,14 +2863,14 @@
           <a:effectLst/>
           <a:extLst>
             <a:ext uri="{909E8E84-426E-40dd-AFC4-6F175D3DCCD1}">
-              <a14:hiddenFill xmlns="" xmlns:a14="http://schemas.microsoft.com/office/drawing/2010/main">
+              <a14:hiddenFill xmlns:a14="http://schemas.microsoft.com/office/drawing/2010/main" xmlns="">
                 <a:solidFill>
                   <a:schemeClr val="bg1"/>
                 </a:solidFill>
               </a14:hiddenFill>
             </a:ext>
             <a:ext uri="{91240B29-F687-4f45-9708-019B960494DF}">
-              <a14:hiddenLine xmlns="" xmlns:a14="http://schemas.microsoft.com/office/drawing/2010/main" w="12700">
+              <a14:hiddenLine xmlns:a14="http://schemas.microsoft.com/office/drawing/2010/main" xmlns="" w="12700">
                 <a:pattFill prst="narHorz">
                   <a:fgClr>
                     <a:schemeClr val="tx1"/>
@@ -2885,7 +2885,7 @@
               </a14:hiddenLine>
             </a:ext>
             <a:ext uri="{AF507438-7753-43e0-B8FC-AC1667EBCBE1}">
-              <a14:hiddenEffects xmlns="" xmlns:a14="http://schemas.microsoft.com/office/drawing/2010/main">
+              <a14:hiddenEffects xmlns:a14="http://schemas.microsoft.com/office/drawing/2010/main" xmlns="">
                 <a:effectLst>
                   <a:outerShdw dist="35921" dir="2700000" algn="ctr" rotWithShape="0">
                     <a:schemeClr val="bg2"/>
@@ -2902,30 +2902,10 @@
           <a:lstStyle/>
           <a:p>
             <a:pPr algn="ctr"/>
-            <a:r>
-              <a:rPr lang="en-US" sz="1400" b="0" dirty="0" err="1">
-                <a:solidFill>
-                  <a:srgbClr val="2A40E2"/>
-                </a:solidFill>
-                <a:latin typeface="Gill Sans" charset="0"/>
-                <a:cs typeface="Gill Sans" charset="0"/>
-              </a:rPr>
-              <a:t>Lec</a:t>
-            </a:r>
-            <a:r>
-              <a:rPr lang="en-US" sz="1400" b="0" dirty="0">
-                <a:solidFill>
-                  <a:srgbClr val="2A40E2"/>
-                </a:solidFill>
-                <a:latin typeface="Gill Sans" charset="0"/>
-                <a:cs typeface="Gill Sans" charset="0"/>
-              </a:rPr>
-              <a:t> 16.</a:t>
-            </a:r>
             <a:fld id="{8B82DB86-37F9-954E-8F10-00623E1FD261}" type="slidenum">
               <a:rPr lang="en-US" sz="1400" b="0" smtClean="0">
                 <a:solidFill>
-                  <a:srgbClr val="2A40E2"/>
+                  <a:schemeClr val="tx1"/>
                 </a:solidFill>
                 <a:latin typeface="Gill Sans" charset="0"/>
                 <a:cs typeface="Gill Sans" charset="0"/>
@@ -2935,7 +2915,7 @@
             </a:fld>
             <a:endParaRPr lang="en-US" sz="1400" b="0" dirty="0">
               <a:solidFill>
-                <a:srgbClr val="2A40E2"/>
+                <a:schemeClr val="tx1"/>
               </a:solidFill>
               <a:latin typeface="Gill Sans" charset="0"/>
               <a:cs typeface="Gill Sans" charset="0"/>
@@ -2971,12 +2951,12 @@
           <a:effectLst/>
           <a:extLst>
             <a:ext uri="{909E8E84-426E-40dd-AFC4-6F175D3DCCD1}">
-              <a14:hiddenFill xmlns="" xmlns:a14="http://schemas.microsoft.com/office/drawing/2010/main">
+              <a14:hiddenFill xmlns:a14="http://schemas.microsoft.com/office/drawing/2010/main" xmlns="">
                 <a:noFill/>
               </a14:hiddenFill>
             </a:ext>
             <a:ext uri="{AF507438-7753-43e0-B8FC-AC1667EBCBE1}">
-              <a14:hiddenEffects xmlns="" xmlns:a14="http://schemas.microsoft.com/office/drawing/2010/main">
+              <a14:hiddenEffects xmlns:a14="http://schemas.microsoft.com/office/drawing/2010/main" xmlns="">
                 <a:effectLst>
                   <a:outerShdw blurRad="63500" dist="38099" dir="2700000" algn="ctr" rotWithShape="0">
                     <a:schemeClr val="bg2">
@@ -3898,7 +3878,7 @@
         <a:effectLst/>
         <a:extLst>
           <a:ext uri="{AF507438-7753-43e0-B8FC-AC1667EBCBE1}">
-            <a14:hiddenEffects xmlns="" xmlns:a14="http://schemas.microsoft.com/office/drawing/2010/main">
+            <a14:hiddenEffects xmlns:a14="http://schemas.microsoft.com/office/drawing/2010/main" xmlns="">
               <a:effectLst>
                 <a:outerShdw dist="35921" dir="2700000" algn="ctr" rotWithShape="0">
                   <a:schemeClr val="bg2"/>
@@ -3971,7 +3951,7 @@
         <a:effectLst/>
         <a:extLst>
           <a:ext uri="{AF507438-7753-43e0-B8FC-AC1667EBCBE1}">
-            <a14:hiddenEffects xmlns="" xmlns:a14="http://schemas.microsoft.com/office/drawing/2010/main">
+            <a14:hiddenEffects xmlns:a14="http://schemas.microsoft.com/office/drawing/2010/main" xmlns="">
               <a:effectLst>
                 <a:outerShdw dist="35921" dir="2700000" algn="ctr" rotWithShape="0">
                   <a:schemeClr val="bg2"/>

--- a/PPTs/LXX Template.pptx
+++ b/PPTs/LXX Template.pptx
@@ -208,14 +208,14 @@
           <a:effectLst/>
           <a:extLst>
             <a:ext uri="{909E8E84-426E-40dd-AFC4-6F175D3DCCD1}">
-              <a14:hiddenFill xmlns:a14="http://schemas.microsoft.com/office/drawing/2010/main" xmlns="">
+              <a14:hiddenFill xmlns="" xmlns:a14="http://schemas.microsoft.com/office/drawing/2010/main">
                 <a:solidFill>
                   <a:schemeClr val="bg1"/>
                 </a:solidFill>
               </a14:hiddenFill>
             </a:ext>
             <a:ext uri="{91240B29-F687-4f45-9708-019B960494DF}">
-              <a14:hiddenLine xmlns:a14="http://schemas.microsoft.com/office/drawing/2010/main" xmlns="" w="12700">
+              <a14:hiddenLine xmlns="" xmlns:a14="http://schemas.microsoft.com/office/drawing/2010/main" w="12700">
                 <a:pattFill prst="narHorz">
                   <a:fgClr>
                     <a:schemeClr val="tx1"/>
@@ -230,7 +230,7 @@
               </a14:hiddenLine>
             </a:ext>
             <a:ext uri="{AF507438-7753-43e0-B8FC-AC1667EBCBE1}">
-              <a14:hiddenEffects xmlns:a14="http://schemas.microsoft.com/office/drawing/2010/main" xmlns="">
+              <a14:hiddenEffects xmlns="" xmlns:a14="http://schemas.microsoft.com/office/drawing/2010/main">
                 <a:effectLst>
                   <a:outerShdw dist="35921" dir="2700000" algn="ctr" rotWithShape="0">
                     <a:schemeClr val="bg2"/>
@@ -336,14 +336,14 @@
           <a:effectLst/>
           <a:extLst>
             <a:ext uri="{909E8E84-426E-40dd-AFC4-6F175D3DCCD1}">
-              <a14:hiddenFill xmlns:a14="http://schemas.microsoft.com/office/drawing/2010/main" xmlns="">
+              <a14:hiddenFill xmlns="" xmlns:a14="http://schemas.microsoft.com/office/drawing/2010/main">
                 <a:solidFill>
                   <a:schemeClr val="bg1"/>
                 </a:solidFill>
               </a14:hiddenFill>
             </a:ext>
             <a:ext uri="{91240B29-F687-4f45-9708-019B960494DF}">
-              <a14:hiddenLine xmlns:a14="http://schemas.microsoft.com/office/drawing/2010/main" xmlns="" w="12700">
+              <a14:hiddenLine xmlns="" xmlns:a14="http://schemas.microsoft.com/office/drawing/2010/main" w="12700">
                 <a:pattFill prst="narHorz">
                   <a:fgClr>
                     <a:schemeClr val="tx1"/>
@@ -358,7 +358,7 @@
               </a14:hiddenLine>
             </a:ext>
             <a:ext uri="{AF507438-7753-43e0-B8FC-AC1667EBCBE1}">
-              <a14:hiddenEffects xmlns:a14="http://schemas.microsoft.com/office/drawing/2010/main" xmlns="">
+              <a14:hiddenEffects xmlns="" xmlns:a14="http://schemas.microsoft.com/office/drawing/2010/main">
                 <a:effectLst>
                   <a:outerShdw dist="35921" dir="2700000" algn="ctr" rotWithShape="0">
                     <a:schemeClr val="bg2"/>
@@ -426,17 +426,17 @@
           <a:effectLst/>
           <a:extLst>
             <a:ext uri="{FAA26D3D-D897-4be2-8F04-BA451C77F1D7}">
-              <ma14:placeholderFlag xmlns:ma14="http://schemas.microsoft.com/office/mac/drawingml/2011/main" xmlns="" val="1"/>
+              <ma14:placeholderFlag xmlns="" xmlns:ma14="http://schemas.microsoft.com/office/mac/drawingml/2011/main" val="1"/>
             </a:ext>
             <a:ext uri="{909E8E84-426E-40dd-AFC4-6F175D3DCCD1}">
-              <a14:hiddenFill xmlns:a14="http://schemas.microsoft.com/office/drawing/2010/main" xmlns="">
+              <a14:hiddenFill xmlns="" xmlns:a14="http://schemas.microsoft.com/office/drawing/2010/main">
                 <a:solidFill>
                   <a:srgbClr val="FFFFFF"/>
                 </a:solidFill>
               </a14:hiddenFill>
             </a:ext>
             <a:ext uri="{AF507438-7753-43e0-B8FC-AC1667EBCBE1}">
-              <a14:hiddenEffects xmlns:a14="http://schemas.microsoft.com/office/drawing/2010/main" xmlns="">
+              <a14:hiddenEffects xmlns="" xmlns:a14="http://schemas.microsoft.com/office/drawing/2010/main">
                 <a:effectLst>
                   <a:outerShdw blurRad="63500" dist="38099" dir="2700000" algn="ctr" rotWithShape="0">
                     <a:srgbClr val="000000">
@@ -447,7 +447,7 @@
               </a14:hiddenEffects>
             </a:ext>
             <a:ext uri="{53640926-AAD7-44d8-BBD7-CCE9431645EC}">
-              <a14:shadowObscured xmlns:a14="http://schemas.microsoft.com/office/drawing/2010/main" xmlns="" val="1"/>
+              <a14:shadowObscured xmlns="" xmlns:a14="http://schemas.microsoft.com/office/drawing/2010/main" val="1"/>
             </a:ext>
           </a:extLst>
         </p:spPr>
@@ -477,14 +477,14 @@
           <a:effectLst/>
           <a:extLst>
             <a:ext uri="{909E8E84-426E-40dd-AFC4-6F175D3DCCD1}">
-              <a14:hiddenFill xmlns:a14="http://schemas.microsoft.com/office/drawing/2010/main" xmlns="">
+              <a14:hiddenFill xmlns="" xmlns:a14="http://schemas.microsoft.com/office/drawing/2010/main">
                 <a:solidFill>
                   <a:schemeClr val="bg1"/>
                 </a:solidFill>
               </a14:hiddenFill>
             </a:ext>
             <a:ext uri="{91240B29-F687-4f45-9708-019B960494DF}">
-              <a14:hiddenLine xmlns:a14="http://schemas.microsoft.com/office/drawing/2010/main" xmlns="" w="12700">
+              <a14:hiddenLine xmlns="" xmlns:a14="http://schemas.microsoft.com/office/drawing/2010/main" w="12700">
                 <a:pattFill prst="narHorz">
                   <a:fgClr>
                     <a:schemeClr val="tx1"/>
@@ -499,7 +499,7 @@
               </a14:hiddenLine>
             </a:ext>
             <a:ext uri="{AF507438-7753-43e0-B8FC-AC1667EBCBE1}">
-              <a14:hiddenEffects xmlns:a14="http://schemas.microsoft.com/office/drawing/2010/main" xmlns="">
+              <a14:hiddenEffects xmlns="" xmlns:a14="http://schemas.microsoft.com/office/drawing/2010/main">
                 <a:effectLst>
                   <a:outerShdw dist="35921" dir="2700000" algn="ctr" rotWithShape="0">
                     <a:schemeClr val="bg2"/>
@@ -749,10 +749,10 @@
         <p:spPr>
           <a:extLst>
             <a:ext uri="{FAA26D3D-D897-4be2-8F04-BA451C77F1D7}">
-              <ma14:placeholderFlag xmlns:ma14="http://schemas.microsoft.com/office/mac/drawingml/2011/main" xmlns="" val="1"/>
+              <ma14:placeholderFlag xmlns="" xmlns:ma14="http://schemas.microsoft.com/office/mac/drawingml/2011/main" val="1"/>
             </a:ext>
             <a:ext uri="{AF507438-7753-43e0-B8FC-AC1667EBCBE1}">
-              <a14:hiddenEffects xmlns:a14="http://schemas.microsoft.com/office/drawing/2010/main" xmlns="">
+              <a14:hiddenEffects xmlns="" xmlns:a14="http://schemas.microsoft.com/office/drawing/2010/main">
                 <a:effectLst>
                   <a:outerShdw blurRad="63500" dist="38099" dir="2700000" algn="ctr" rotWithShape="0">
                     <a:schemeClr val="bg2">
@@ -2681,17 +2681,17 @@
           <a:effectLst/>
           <a:extLst>
             <a:ext uri="{FAA26D3D-D897-4be2-8F04-BA451C77F1D7}">
-              <ma14:placeholderFlag xmlns:ma14="http://schemas.microsoft.com/office/mac/drawingml/2011/main" xmlns="" val="1"/>
+              <ma14:placeholderFlag xmlns="" xmlns:ma14="http://schemas.microsoft.com/office/mac/drawingml/2011/main" val="1"/>
             </a:ext>
             <a:ext uri="{909E8E84-426E-40dd-AFC4-6F175D3DCCD1}">
-              <a14:hiddenFill xmlns:a14="http://schemas.microsoft.com/office/drawing/2010/main" xmlns="">
+              <a14:hiddenFill xmlns="" xmlns:a14="http://schemas.microsoft.com/office/drawing/2010/main">
                 <a:solidFill>
                   <a:schemeClr val="bg1"/>
                 </a:solidFill>
               </a14:hiddenFill>
             </a:ext>
             <a:ext uri="{91240B29-F687-4f45-9708-019B960494DF}">
-              <a14:hiddenLine xmlns:a14="http://schemas.microsoft.com/office/drawing/2010/main" xmlns="" w="12700">
+              <a14:hiddenLine xmlns="" xmlns:a14="http://schemas.microsoft.com/office/drawing/2010/main" w="12700">
                 <a:pattFill prst="narHorz">
                   <a:fgClr>
                     <a:schemeClr val="tx1"/>
@@ -2706,7 +2706,7 @@
               </a14:hiddenLine>
             </a:ext>
             <a:ext uri="{AF507438-7753-43e0-B8FC-AC1667EBCBE1}">
-              <a14:hiddenEffects xmlns:a14="http://schemas.microsoft.com/office/drawing/2010/main" xmlns="">
+              <a14:hiddenEffects xmlns="" xmlns:a14="http://schemas.microsoft.com/office/drawing/2010/main">
                 <a:effectLst>
                   <a:outerShdw blurRad="63500" dist="38099" dir="2700000" algn="ctr" rotWithShape="0">
                     <a:schemeClr val="bg2">
@@ -2759,17 +2759,17 @@
           <a:effectLst/>
           <a:extLst>
             <a:ext uri="{FAA26D3D-D897-4be2-8F04-BA451C77F1D7}">
-              <ma14:placeholderFlag xmlns:ma14="http://schemas.microsoft.com/office/mac/drawingml/2011/main" xmlns="" val="1"/>
+              <ma14:placeholderFlag xmlns="" xmlns:ma14="http://schemas.microsoft.com/office/mac/drawingml/2011/main" val="1"/>
             </a:ext>
             <a:ext uri="{909E8E84-426E-40dd-AFC4-6F175D3DCCD1}">
-              <a14:hiddenFill xmlns:a14="http://schemas.microsoft.com/office/drawing/2010/main" xmlns="">
+              <a14:hiddenFill xmlns="" xmlns:a14="http://schemas.microsoft.com/office/drawing/2010/main">
                 <a:solidFill>
                   <a:schemeClr val="bg1"/>
                 </a:solidFill>
               </a14:hiddenFill>
             </a:ext>
             <a:ext uri="{91240B29-F687-4f45-9708-019B960494DF}">
-              <a14:hiddenLine xmlns:a14="http://schemas.microsoft.com/office/drawing/2010/main" xmlns="" w="12700">
+              <a14:hiddenLine xmlns="" xmlns:a14="http://schemas.microsoft.com/office/drawing/2010/main" w="12700">
                 <a:pattFill prst="narHorz">
                   <a:fgClr>
                     <a:schemeClr val="tx1"/>
@@ -2784,7 +2784,7 @@
               </a14:hiddenLine>
             </a:ext>
             <a:ext uri="{AF507438-7753-43e0-B8FC-AC1667EBCBE1}">
-              <a14:hiddenEffects xmlns:a14="http://schemas.microsoft.com/office/drawing/2010/main" xmlns="">
+              <a14:hiddenEffects xmlns="" xmlns:a14="http://schemas.microsoft.com/office/drawing/2010/main">
                 <a:effectLst>
                   <a:outerShdw blurRad="63500" dist="38099" dir="2700000" algn="ctr" rotWithShape="0">
                     <a:schemeClr val="bg2">
@@ -2863,14 +2863,14 @@
           <a:effectLst/>
           <a:extLst>
             <a:ext uri="{909E8E84-426E-40dd-AFC4-6F175D3DCCD1}">
-              <a14:hiddenFill xmlns:a14="http://schemas.microsoft.com/office/drawing/2010/main" xmlns="">
+              <a14:hiddenFill xmlns="" xmlns:a14="http://schemas.microsoft.com/office/drawing/2010/main">
                 <a:solidFill>
                   <a:schemeClr val="bg1"/>
                 </a:solidFill>
               </a14:hiddenFill>
             </a:ext>
             <a:ext uri="{91240B29-F687-4f45-9708-019B960494DF}">
-              <a14:hiddenLine xmlns:a14="http://schemas.microsoft.com/office/drawing/2010/main" xmlns="" w="12700">
+              <a14:hiddenLine xmlns="" xmlns:a14="http://schemas.microsoft.com/office/drawing/2010/main" w="12700">
                 <a:pattFill prst="narHorz">
                   <a:fgClr>
                     <a:schemeClr val="tx1"/>
@@ -2885,7 +2885,7 @@
               </a14:hiddenLine>
             </a:ext>
             <a:ext uri="{AF507438-7753-43e0-B8FC-AC1667EBCBE1}">
-              <a14:hiddenEffects xmlns:a14="http://schemas.microsoft.com/office/drawing/2010/main" xmlns="">
+              <a14:hiddenEffects xmlns="" xmlns:a14="http://schemas.microsoft.com/office/drawing/2010/main">
                 <a:effectLst>
                   <a:outerShdw dist="35921" dir="2700000" algn="ctr" rotWithShape="0">
                     <a:schemeClr val="bg2"/>
@@ -2951,12 +2951,12 @@
           <a:effectLst/>
           <a:extLst>
             <a:ext uri="{909E8E84-426E-40dd-AFC4-6F175D3DCCD1}">
-              <a14:hiddenFill xmlns:a14="http://schemas.microsoft.com/office/drawing/2010/main" xmlns="">
+              <a14:hiddenFill xmlns="" xmlns:a14="http://schemas.microsoft.com/office/drawing/2010/main">
                 <a:noFill/>
               </a14:hiddenFill>
             </a:ext>
             <a:ext uri="{AF507438-7753-43e0-B8FC-AC1667EBCBE1}">
-              <a14:hiddenEffects xmlns:a14="http://schemas.microsoft.com/office/drawing/2010/main" xmlns="">
+              <a14:hiddenEffects xmlns="" xmlns:a14="http://schemas.microsoft.com/office/drawing/2010/main">
                 <a:effectLst>
                   <a:outerShdw blurRad="63500" dist="38099" dir="2700000" algn="ctr" rotWithShape="0">
                     <a:schemeClr val="bg2">
@@ -3179,7 +3179,7 @@
         </a:spcAft>
         <a:buSzPct val="100000"/>
         <a:buChar char="•"/>
-        <a:defRPr sz="2400">
+        <a:defRPr sz="2800">
           <a:solidFill>
             <a:schemeClr val="tx1"/>
           </a:solidFill>
@@ -3200,7 +3200,7 @@
         </a:spcAft>
         <a:buSzPct val="100000"/>
         <a:buChar char="–"/>
-        <a:defRPr sz="2200">
+        <a:defRPr sz="2400">
           <a:solidFill>
             <a:schemeClr val="tx1"/>
           </a:solidFill>
@@ -3221,7 +3221,7 @@
         </a:spcAft>
         <a:buSzPct val="100000"/>
         <a:buChar char="»"/>
-        <a:defRPr sz="2000">
+        <a:defRPr sz="2400">
           <a:solidFill>
             <a:schemeClr val="tx1"/>
           </a:solidFill>
@@ -3242,7 +3242,7 @@
         </a:spcAft>
         <a:buSzPct val="100000"/>
         <a:buChar char="•"/>
-        <a:defRPr sz="2000">
+        <a:defRPr sz="2400">
           <a:solidFill>
             <a:schemeClr val="tx1"/>
           </a:solidFill>
@@ -3263,7 +3263,7 @@
         </a:spcAft>
         <a:buSzPct val="100000"/>
         <a:buChar char="–"/>
-        <a:defRPr sz="2000">
+        <a:defRPr sz="2400">
           <a:solidFill>
             <a:schemeClr val="tx1"/>
           </a:solidFill>
@@ -3878,7 +3878,7 @@
         <a:effectLst/>
         <a:extLst>
           <a:ext uri="{AF507438-7753-43e0-B8FC-AC1667EBCBE1}">
-            <a14:hiddenEffects xmlns:a14="http://schemas.microsoft.com/office/drawing/2010/main" xmlns="">
+            <a14:hiddenEffects xmlns="" xmlns:a14="http://schemas.microsoft.com/office/drawing/2010/main">
               <a:effectLst>
                 <a:outerShdw dist="35921" dir="2700000" algn="ctr" rotWithShape="0">
                   <a:schemeClr val="bg2"/>
@@ -3951,7 +3951,7 @@
         <a:effectLst/>
         <a:extLst>
           <a:ext uri="{AF507438-7753-43e0-B8FC-AC1667EBCBE1}">
-            <a14:hiddenEffects xmlns:a14="http://schemas.microsoft.com/office/drawing/2010/main" xmlns="">
+            <a14:hiddenEffects xmlns="" xmlns:a14="http://schemas.microsoft.com/office/drawing/2010/main">
               <a:effectLst>
                 <a:outerShdw dist="35921" dir="2700000" algn="ctr" rotWithShape="0">
                   <a:schemeClr val="bg2"/>
